--- a/ModernJS.pptx
+++ b/ModernJS.pptx
@@ -328,7 +328,7 @@
             <a:fld id="{1D8BD707-D9CF-40AE-B4C6-C98DA3205C09}" type="datetimeFigureOut">
               <a:rPr lang="en-US" smtClean="0"/>
               <a:pPr/>
-              <a:t>9/20/2023</a:t>
+              <a:t>9/21/2023</a:t>
             </a:fld>
             <a:endParaRPr lang="en-US"/>
           </a:p>
@@ -493,7 +493,7 @@
             <a:fld id="{1D8BD707-D9CF-40AE-B4C6-C98DA3205C09}" type="datetimeFigureOut">
               <a:rPr lang="en-US" smtClean="0"/>
               <a:pPr/>
-              <a:t>9/20/2023</a:t>
+              <a:t>9/21/2023</a:t>
             </a:fld>
             <a:endParaRPr lang="en-US"/>
           </a:p>
@@ -668,7 +668,7 @@
             <a:fld id="{1D8BD707-D9CF-40AE-B4C6-C98DA3205C09}" type="datetimeFigureOut">
               <a:rPr lang="en-US" smtClean="0"/>
               <a:pPr/>
-              <a:t>9/20/2023</a:t>
+              <a:t>9/21/2023</a:t>
             </a:fld>
             <a:endParaRPr lang="en-US"/>
           </a:p>
@@ -833,7 +833,7 @@
             <a:fld id="{1D8BD707-D9CF-40AE-B4C6-C98DA3205C09}" type="datetimeFigureOut">
               <a:rPr lang="en-US" smtClean="0"/>
               <a:pPr/>
-              <a:t>9/20/2023</a:t>
+              <a:t>9/21/2023</a:t>
             </a:fld>
             <a:endParaRPr lang="en-US"/>
           </a:p>
@@ -1075,7 +1075,7 @@
             <a:fld id="{1D8BD707-D9CF-40AE-B4C6-C98DA3205C09}" type="datetimeFigureOut">
               <a:rPr lang="en-US" smtClean="0"/>
               <a:pPr/>
-              <a:t>9/20/2023</a:t>
+              <a:t>9/21/2023</a:t>
             </a:fld>
             <a:endParaRPr lang="en-US"/>
           </a:p>
@@ -1357,7 +1357,7 @@
             <a:fld id="{1D8BD707-D9CF-40AE-B4C6-C98DA3205C09}" type="datetimeFigureOut">
               <a:rPr lang="en-US" smtClean="0"/>
               <a:pPr/>
-              <a:t>9/20/2023</a:t>
+              <a:t>9/21/2023</a:t>
             </a:fld>
             <a:endParaRPr lang="en-US"/>
           </a:p>
@@ -1773,7 +1773,7 @@
             <a:fld id="{1D8BD707-D9CF-40AE-B4C6-C98DA3205C09}" type="datetimeFigureOut">
               <a:rPr lang="en-US" smtClean="0"/>
               <a:pPr/>
-              <a:t>9/20/2023</a:t>
+              <a:t>9/21/2023</a:t>
             </a:fld>
             <a:endParaRPr lang="en-US"/>
           </a:p>
@@ -1887,7 +1887,7 @@
             <a:fld id="{1D8BD707-D9CF-40AE-B4C6-C98DA3205C09}" type="datetimeFigureOut">
               <a:rPr lang="en-US" smtClean="0"/>
               <a:pPr/>
-              <a:t>9/20/2023</a:t>
+              <a:t>9/21/2023</a:t>
             </a:fld>
             <a:endParaRPr lang="en-US"/>
           </a:p>
@@ -1979,7 +1979,7 @@
             <a:fld id="{1D8BD707-D9CF-40AE-B4C6-C98DA3205C09}" type="datetimeFigureOut">
               <a:rPr lang="en-US" smtClean="0"/>
               <a:pPr/>
-              <a:t>9/20/2023</a:t>
+              <a:t>9/21/2023</a:t>
             </a:fld>
             <a:endParaRPr lang="en-US"/>
           </a:p>
@@ -2251,7 +2251,7 @@
             <a:fld id="{1D8BD707-D9CF-40AE-B4C6-C98DA3205C09}" type="datetimeFigureOut">
               <a:rPr lang="en-US" smtClean="0"/>
               <a:pPr/>
-              <a:t>9/20/2023</a:t>
+              <a:t>9/21/2023</a:t>
             </a:fld>
             <a:endParaRPr lang="en-US"/>
           </a:p>
@@ -2500,7 +2500,7 @@
             <a:fld id="{1D8BD707-D9CF-40AE-B4C6-C98DA3205C09}" type="datetimeFigureOut">
               <a:rPr lang="en-US" smtClean="0"/>
               <a:pPr/>
-              <a:t>9/20/2023</a:t>
+              <a:t>9/21/2023</a:t>
             </a:fld>
             <a:endParaRPr lang="en-US"/>
           </a:p>
@@ -2708,7 +2708,7 @@
             <a:fld id="{1D8BD707-D9CF-40AE-B4C6-C98DA3205C09}" type="datetimeFigureOut">
               <a:rPr lang="en-US" smtClean="0"/>
               <a:pPr/>
-              <a:t>9/20/2023</a:t>
+              <a:t>9/21/2023</a:t>
             </a:fld>
             <a:endParaRPr lang="en-US"/>
           </a:p>
@@ -5900,7 +5900,7 @@
         <p:spPr>
           <a:xfrm>
             <a:off x="9144000" y="2737788"/>
-            <a:ext cx="9127922" cy="1446550"/>
+            <a:ext cx="9127922" cy="2308324"/>
           </a:xfrm>
           <a:prstGeom prst="rect">
             <a:avLst/>
@@ -5918,7 +5918,7 @@
               <a:buChar char="•"/>
             </a:pPr>
             <a:r>
-              <a:rPr lang="en-US" sz="4400" dirty="0">
+              <a:rPr lang="en-US" sz="7200" dirty="0">
                 <a:solidFill>
                   <a:schemeClr val="bg1"/>
                 </a:solidFill>
@@ -5932,7 +5932,7 @@
               <a:buChar char="•"/>
             </a:pPr>
             <a:r>
-              <a:rPr lang="en-US" sz="4400" dirty="0">
+              <a:rPr lang="en-US" sz="7200" dirty="0">
                 <a:solidFill>
                   <a:schemeClr val="bg1"/>
                 </a:solidFill>

--- a/ModernJS.pptx
+++ b/ModernJS.pptx
@@ -3397,7 +3397,7 @@
         </p:blipFill>
         <p:spPr bwMode="auto">
           <a:xfrm>
-            <a:off x="15889497" y="230007"/>
+            <a:off x="15305465" y="258932"/>
             <a:ext cx="736980" cy="736980"/>
           </a:xfrm>
           <a:prstGeom prst="rect">
@@ -3429,8 +3429,8 @@
         </p:nvSpPr>
         <p:spPr>
           <a:xfrm>
-            <a:off x="16781111" y="300531"/>
-            <a:ext cx="1323833" cy="595932"/>
+            <a:off x="16276271" y="300531"/>
+            <a:ext cx="1828674" cy="595932"/>
           </a:xfrm>
           <a:prstGeom prst="rect">
             <a:avLst/>
@@ -3457,7 +3457,7 @@
                 <a:ea typeface="Calibri" panose="020F0502020204030204" pitchFamily="34" charset="0"/>
                 <a:cs typeface="Times New Roman" panose="02020603050405020304" pitchFamily="18" charset="0"/>
               </a:rPr>
-              <a:t>60min</a:t>
+              <a:t>100min</a:t>
             </a:r>
             <a:endParaRPr lang="en-BE" sz="3200" dirty="0">
               <a:solidFill>
